--- a/프레젠테이션1.pptx
+++ b/프레젠테이션1.pptx
@@ -104,6 +104,11 @@
       </a:defRPr>
     </a:lvl9pPr>
   </p:defaultTextStyle>
+  <p:extLst>
+    <p:ext uri="{EFAFB233-063F-42B5-8137-9DF3F51BA10A}">
+      <p15:sldGuideLst xmlns:p15="http://schemas.microsoft.com/office/powerpoint/2012/main"/>
+    </p:ext>
+  </p:extLst>
 </p:presentation>
 </file>
 
@@ -238,7 +243,7 @@
           <a:p>
             <a:fld id="{6F65B31D-C798-4C1B-9AE6-70FEC6709BD6}" type="datetimeFigureOut">
               <a:rPr lang="ko-KR" altLang="en-US" smtClean="0"/>
-              <a:t>2025-06-24</a:t>
+              <a:t>2025-06-25</a:t>
             </a:fld>
             <a:endParaRPr lang="ko-KR" altLang="en-US"/>
           </a:p>
@@ -408,7 +413,7 @@
           <a:p>
             <a:fld id="{6F65B31D-C798-4C1B-9AE6-70FEC6709BD6}" type="datetimeFigureOut">
               <a:rPr lang="ko-KR" altLang="en-US" smtClean="0"/>
-              <a:t>2025-06-24</a:t>
+              <a:t>2025-06-25</a:t>
             </a:fld>
             <a:endParaRPr lang="ko-KR" altLang="en-US"/>
           </a:p>
@@ -588,7 +593,7 @@
           <a:p>
             <a:fld id="{6F65B31D-C798-4C1B-9AE6-70FEC6709BD6}" type="datetimeFigureOut">
               <a:rPr lang="ko-KR" altLang="en-US" smtClean="0"/>
-              <a:t>2025-06-24</a:t>
+              <a:t>2025-06-25</a:t>
             </a:fld>
             <a:endParaRPr lang="ko-KR" altLang="en-US"/>
           </a:p>
@@ -758,7 +763,7 @@
           <a:p>
             <a:fld id="{6F65B31D-C798-4C1B-9AE6-70FEC6709BD6}" type="datetimeFigureOut">
               <a:rPr lang="ko-KR" altLang="en-US" smtClean="0"/>
-              <a:t>2025-06-24</a:t>
+              <a:t>2025-06-25</a:t>
             </a:fld>
             <a:endParaRPr lang="ko-KR" altLang="en-US"/>
           </a:p>
@@ -1004,7 +1009,7 @@
           <a:p>
             <a:fld id="{6F65B31D-C798-4C1B-9AE6-70FEC6709BD6}" type="datetimeFigureOut">
               <a:rPr lang="ko-KR" altLang="en-US" smtClean="0"/>
-              <a:t>2025-06-24</a:t>
+              <a:t>2025-06-25</a:t>
             </a:fld>
             <a:endParaRPr lang="ko-KR" altLang="en-US"/>
           </a:p>
@@ -1236,7 +1241,7 @@
           <a:p>
             <a:fld id="{6F65B31D-C798-4C1B-9AE6-70FEC6709BD6}" type="datetimeFigureOut">
               <a:rPr lang="ko-KR" altLang="en-US" smtClean="0"/>
-              <a:t>2025-06-24</a:t>
+              <a:t>2025-06-25</a:t>
             </a:fld>
             <a:endParaRPr lang="ko-KR" altLang="en-US"/>
           </a:p>
@@ -1603,7 +1608,7 @@
           <a:p>
             <a:fld id="{6F65B31D-C798-4C1B-9AE6-70FEC6709BD6}" type="datetimeFigureOut">
               <a:rPr lang="ko-KR" altLang="en-US" smtClean="0"/>
-              <a:t>2025-06-24</a:t>
+              <a:t>2025-06-25</a:t>
             </a:fld>
             <a:endParaRPr lang="ko-KR" altLang="en-US"/>
           </a:p>
@@ -1721,7 +1726,7 @@
           <a:p>
             <a:fld id="{6F65B31D-C798-4C1B-9AE6-70FEC6709BD6}" type="datetimeFigureOut">
               <a:rPr lang="ko-KR" altLang="en-US" smtClean="0"/>
-              <a:t>2025-06-24</a:t>
+              <a:t>2025-06-25</a:t>
             </a:fld>
             <a:endParaRPr lang="ko-KR" altLang="en-US"/>
           </a:p>
@@ -1816,7 +1821,7 @@
           <a:p>
             <a:fld id="{6F65B31D-C798-4C1B-9AE6-70FEC6709BD6}" type="datetimeFigureOut">
               <a:rPr lang="ko-KR" altLang="en-US" smtClean="0"/>
-              <a:t>2025-06-24</a:t>
+              <a:t>2025-06-25</a:t>
             </a:fld>
             <a:endParaRPr lang="ko-KR" altLang="en-US"/>
           </a:p>
@@ -2093,7 +2098,7 @@
           <a:p>
             <a:fld id="{6F65B31D-C798-4C1B-9AE6-70FEC6709BD6}" type="datetimeFigureOut">
               <a:rPr lang="ko-KR" altLang="en-US" smtClean="0"/>
-              <a:t>2025-06-24</a:t>
+              <a:t>2025-06-25</a:t>
             </a:fld>
             <a:endParaRPr lang="ko-KR" altLang="en-US"/>
           </a:p>
@@ -2346,7 +2351,7 @@
           <a:p>
             <a:fld id="{6F65B31D-C798-4C1B-9AE6-70FEC6709BD6}" type="datetimeFigureOut">
               <a:rPr lang="ko-KR" altLang="en-US" smtClean="0"/>
-              <a:t>2025-06-24</a:t>
+              <a:t>2025-06-25</a:t>
             </a:fld>
             <a:endParaRPr lang="ko-KR" altLang="en-US"/>
           </a:p>
@@ -2559,7 +2564,7 @@
           <a:p>
             <a:fld id="{6F65B31D-C798-4C1B-9AE6-70FEC6709BD6}" type="datetimeFigureOut">
               <a:rPr lang="ko-KR" altLang="en-US" smtClean="0"/>
-              <a:t>2025-06-24</a:t>
+              <a:t>2025-06-25</a:t>
             </a:fld>
             <a:endParaRPr lang="ko-KR" altLang="en-US"/>
           </a:p>
@@ -2964,183 +2969,210 @@
           <a:chExt cx="0" cy="0"/>
         </a:xfrm>
       </p:grpSpPr>
+      <p:sp>
+        <p:nvSpPr>
+          <p:cNvPr id="10" name="직사각형 9"/>
+          <p:cNvSpPr/>
+          <p:nvPr/>
+        </p:nvSpPr>
+        <p:spPr>
+          <a:xfrm>
+            <a:off x="979715" y="858416"/>
+            <a:ext cx="7809723" cy="4870580"/>
+          </a:xfrm>
+          <a:prstGeom prst="rect">
+            <a:avLst/>
+          </a:prstGeom>
+          <a:solidFill>
+            <a:srgbClr val="F0F0F0"/>
+          </a:solidFill>
+          <a:ln>
+            <a:noFill/>
+          </a:ln>
+        </p:spPr>
+        <p:style>
+          <a:lnRef idx="2">
+            <a:schemeClr val="accent1">
+              <a:shade val="50000"/>
+            </a:schemeClr>
+          </a:lnRef>
+          <a:fillRef idx="1">
+            <a:schemeClr val="accent1"/>
+          </a:fillRef>
+          <a:effectRef idx="0">
+            <a:schemeClr val="accent1"/>
+          </a:effectRef>
+          <a:fontRef idx="minor">
+            <a:schemeClr val="lt1"/>
+          </a:fontRef>
+        </p:style>
+        <p:txBody>
+          <a:bodyPr rtlCol="0" anchor="ctr"/>
+          <a:lstStyle/>
+          <a:p>
+            <a:pPr algn="ctr"/>
+            <a:endParaRPr lang="ko-KR" altLang="en-US"/>
+          </a:p>
+        </p:txBody>
+      </p:sp>
+      <p:sp>
+        <p:nvSpPr>
+          <p:cNvPr id="6" name="직사각형 5"/>
+          <p:cNvSpPr/>
+          <p:nvPr/>
+        </p:nvSpPr>
+        <p:spPr>
+          <a:xfrm>
+            <a:off x="979715" y="858416"/>
+            <a:ext cx="7805651" cy="955963"/>
+          </a:xfrm>
+          <a:prstGeom prst="rect">
+            <a:avLst/>
+          </a:prstGeom>
+          <a:solidFill>
+            <a:srgbClr val="2F73D9"/>
+          </a:solidFill>
+          <a:ln>
+            <a:noFill/>
+          </a:ln>
+        </p:spPr>
+        <p:style>
+          <a:lnRef idx="2">
+            <a:schemeClr val="accent1">
+              <a:shade val="50000"/>
+            </a:schemeClr>
+          </a:lnRef>
+          <a:fillRef idx="1">
+            <a:schemeClr val="accent1"/>
+          </a:fillRef>
+          <a:effectRef idx="0">
+            <a:schemeClr val="accent1"/>
+          </a:effectRef>
+          <a:fontRef idx="minor">
+            <a:schemeClr val="lt1"/>
+          </a:fontRef>
+        </p:style>
+        <p:txBody>
+          <a:bodyPr rtlCol="0" anchor="ctr"/>
+          <a:lstStyle/>
+          <a:p>
+            <a:pPr algn="ctr"/>
+            <a:endParaRPr lang="ko-KR" altLang="en-US"/>
+          </a:p>
+        </p:txBody>
+      </p:sp>
+      <p:sp>
+        <p:nvSpPr>
+          <p:cNvPr id="2" name="직사각형 1"/>
+          <p:cNvSpPr/>
+          <p:nvPr/>
+        </p:nvSpPr>
+        <p:spPr>
+          <a:xfrm>
+            <a:off x="979715" y="858416"/>
+            <a:ext cx="7805651" cy="4870580"/>
+          </a:xfrm>
+          <a:prstGeom prst="rect">
+            <a:avLst/>
+          </a:prstGeom>
+          <a:gradFill flip="none" rotWithShape="1">
+            <a:gsLst>
+              <a:gs pos="53000">
+                <a:schemeClr val="tx1">
+                  <a:alpha val="5000"/>
+                </a:schemeClr>
+              </a:gs>
+              <a:gs pos="0">
+                <a:srgbClr val="000000">
+                  <a:alpha val="10000"/>
+                </a:srgbClr>
+              </a:gs>
+              <a:gs pos="100000">
+                <a:srgbClr val="F0F0F0">
+                  <a:shade val="100000"/>
+                  <a:satMod val="115000"/>
+                  <a:alpha val="0"/>
+                </a:srgbClr>
+              </a:gs>
+            </a:gsLst>
+            <a:lin ang="13500000" scaled="1"/>
+            <a:tileRect/>
+          </a:gradFill>
+          <a:ln>
+            <a:noFill/>
+          </a:ln>
+        </p:spPr>
+        <p:style>
+          <a:lnRef idx="2">
+            <a:schemeClr val="accent1">
+              <a:shade val="50000"/>
+            </a:schemeClr>
+          </a:lnRef>
+          <a:fillRef idx="1">
+            <a:schemeClr val="accent1"/>
+          </a:fillRef>
+          <a:effectRef idx="0">
+            <a:schemeClr val="accent1"/>
+          </a:effectRef>
+          <a:fontRef idx="minor">
+            <a:schemeClr val="lt1"/>
+          </a:fontRef>
+        </p:style>
+        <p:txBody>
+          <a:bodyPr rtlCol="0" anchor="ctr"/>
+          <a:lstStyle/>
+          <a:p>
+            <a:pPr algn="ctr"/>
+            <a:endParaRPr lang="ko-KR" altLang="en-US"/>
+          </a:p>
+        </p:txBody>
+      </p:sp>
       <p:pic>
         <p:nvPicPr>
-          <p:cNvPr id="4" name="그림 3"/>
+          <p:cNvPr id="9" name="그림 8"/>
           <p:cNvPicPr>
             <a:picLocks noChangeAspect="1"/>
           </p:cNvPicPr>
           <p:nvPr/>
         </p:nvPicPr>
         <p:blipFill>
-          <a:blip r:embed="rId2"/>
+          <a:blip r:embed="rId2">
+            <a:extLst>
+              <a:ext uri="{BEBA8EAE-BF5A-486C-A8C5-ECC9F3942E4B}">
+                <a14:imgProps xmlns:a14="http://schemas.microsoft.com/office/drawing/2010/main">
+                  <a14:imgLayer r:embed="rId3">
+                    <a14:imgEffect>
+                      <a14:backgroundRemoval t="1778" b="97556" l="1969" r="98906">
+                        <a14:foregroundMark x1="14442" y1="17556" x2="14442" y2="17556"/>
+                        <a14:foregroundMark x1="46389" y1="14667" x2="46389" y2="14667"/>
+                        <a14:foregroundMark x1="59956" y1="13778" x2="59956" y2="13778"/>
+                        <a14:foregroundMark x1="70678" y1="14889" x2="70678" y2="14889"/>
+                        <a14:foregroundMark x1="78337" y1="15111" x2="78337" y2="15111"/>
+                        <a14:foregroundMark x1="72867" y1="60222" x2="72867" y2="60222"/>
+                        <a14:foregroundMark x1="61707" y1="65556" x2="61707" y2="65556"/>
+                        <a14:foregroundMark x1="52516" y1="66444" x2="52516" y2="66444"/>
+                        <a14:foregroundMark x1="23414" y1="51556" x2="23414" y2="51556"/>
+                      </a14:backgroundRemoval>
+                    </a14:imgEffect>
+                  </a14:imgLayer>
+                </a14:imgProps>
+              </a:ext>
+            </a:extLst>
+          </a:blip>
           <a:stretch>
             <a:fillRect/>
           </a:stretch>
         </p:blipFill>
         <p:spPr>
           <a:xfrm>
-            <a:off x="764771" y="752806"/>
-            <a:ext cx="8179328" cy="5514313"/>
+            <a:off x="5049594" y="4879911"/>
+            <a:ext cx="561149" cy="552554"/>
           </a:xfrm>
           <a:prstGeom prst="rect">
             <a:avLst/>
           </a:prstGeom>
         </p:spPr>
       </p:pic>
-      <p:grpSp>
-        <p:nvGrpSpPr>
-          <p:cNvPr id="11" name="그룹 10"/>
-          <p:cNvGrpSpPr/>
-          <p:nvPr/>
-        </p:nvGrpSpPr>
-        <p:grpSpPr>
-          <a:xfrm>
-            <a:off x="961053" y="1082351"/>
-            <a:ext cx="7809723" cy="4870580"/>
-            <a:chOff x="961053" y="1082351"/>
-            <a:chExt cx="7809723" cy="4870580"/>
-          </a:xfrm>
-        </p:grpSpPr>
-        <p:sp>
-          <p:nvSpPr>
-            <p:cNvPr id="10" name="직사각형 9"/>
-            <p:cNvSpPr/>
-            <p:nvPr/>
-          </p:nvSpPr>
-          <p:spPr>
-            <a:xfrm>
-              <a:off x="961053" y="1082351"/>
-              <a:ext cx="7809723" cy="4870580"/>
-            </a:xfrm>
-            <a:prstGeom prst="rect">
-              <a:avLst/>
-            </a:prstGeom>
-            <a:solidFill>
-              <a:srgbClr val="F0F0F0"/>
-            </a:solidFill>
-            <a:ln>
-              <a:noFill/>
-            </a:ln>
-          </p:spPr>
-          <p:style>
-            <a:lnRef idx="2">
-              <a:schemeClr val="accent1">
-                <a:shade val="50000"/>
-              </a:schemeClr>
-            </a:lnRef>
-            <a:fillRef idx="1">
-              <a:schemeClr val="accent1"/>
-            </a:fillRef>
-            <a:effectRef idx="0">
-              <a:schemeClr val="accent1"/>
-            </a:effectRef>
-            <a:fontRef idx="minor">
-              <a:schemeClr val="lt1"/>
-            </a:fontRef>
-          </p:style>
-          <p:txBody>
-            <a:bodyPr rtlCol="0" anchor="ctr"/>
-            <a:lstStyle/>
-            <a:p>
-              <a:pPr algn="ctr"/>
-              <a:endParaRPr lang="ko-KR" altLang="en-US"/>
-            </a:p>
-          </p:txBody>
-        </p:sp>
-        <p:sp>
-          <p:nvSpPr>
-            <p:cNvPr id="6" name="직사각형 5"/>
-            <p:cNvSpPr/>
-            <p:nvPr/>
-          </p:nvSpPr>
-          <p:spPr>
-            <a:xfrm>
-              <a:off x="961053" y="1082351"/>
-              <a:ext cx="7805651" cy="955963"/>
-            </a:xfrm>
-            <a:prstGeom prst="rect">
-              <a:avLst/>
-            </a:prstGeom>
-            <a:solidFill>
-              <a:srgbClr val="2F73D9"/>
-            </a:solidFill>
-            <a:ln>
-              <a:noFill/>
-            </a:ln>
-          </p:spPr>
-          <p:style>
-            <a:lnRef idx="2">
-              <a:schemeClr val="accent1">
-                <a:shade val="50000"/>
-              </a:schemeClr>
-            </a:lnRef>
-            <a:fillRef idx="1">
-              <a:schemeClr val="accent1"/>
-            </a:fillRef>
-            <a:effectRef idx="0">
-              <a:schemeClr val="accent1"/>
-            </a:effectRef>
-            <a:fontRef idx="minor">
-              <a:schemeClr val="lt1"/>
-            </a:fontRef>
-          </p:style>
-          <p:txBody>
-            <a:bodyPr rtlCol="0" anchor="ctr"/>
-            <a:lstStyle/>
-            <a:p>
-              <a:pPr algn="ctr"/>
-              <a:endParaRPr lang="ko-KR" altLang="en-US"/>
-            </a:p>
-          </p:txBody>
-        </p:sp>
-        <p:pic>
-          <p:nvPicPr>
-            <p:cNvPr id="9" name="그림 8"/>
-            <p:cNvPicPr>
-              <a:picLocks noChangeAspect="1"/>
-            </p:cNvPicPr>
-            <p:nvPr/>
-          </p:nvPicPr>
-          <p:blipFill>
-            <a:blip r:embed="rId3">
-              <a:extLst>
-                <a:ext uri="{BEBA8EAE-BF5A-486C-A8C5-ECC9F3942E4B}">
-                  <a14:imgProps xmlns:a14="http://schemas.microsoft.com/office/drawing/2010/main">
-                    <a14:imgLayer r:embed="rId4">
-                      <a14:imgEffect>
-                        <a14:backgroundRemoval t="1778" b="97556" l="1969" r="98906">
-                          <a14:foregroundMark x1="14442" y1="17556" x2="14442" y2="17556"/>
-                          <a14:foregroundMark x1="46389" y1="14667" x2="46389" y2="14667"/>
-                          <a14:foregroundMark x1="59956" y1="13778" x2="59956" y2="13778"/>
-                          <a14:foregroundMark x1="70678" y1="14889" x2="70678" y2="14889"/>
-                          <a14:foregroundMark x1="78337" y1="15111" x2="78337" y2="15111"/>
-                          <a14:foregroundMark x1="72867" y1="60222" x2="72867" y2="60222"/>
-                          <a14:foregroundMark x1="61707" y1="65556" x2="61707" y2="65556"/>
-                          <a14:foregroundMark x1="52516" y1="66444" x2="52516" y2="66444"/>
-                          <a14:foregroundMark x1="23414" y1="51556" x2="23414" y2="51556"/>
-                        </a14:backgroundRemoval>
-                      </a14:imgEffect>
-                    </a14:imgLayer>
-                  </a14:imgProps>
-                </a:ext>
-              </a:extLst>
-            </a:blip>
-            <a:stretch>
-              <a:fillRect/>
-            </a:stretch>
-          </p:blipFill>
-          <p:spPr>
-            <a:xfrm>
-              <a:off x="4917610" y="5169159"/>
-              <a:ext cx="561149" cy="552554"/>
-            </a:xfrm>
-            <a:prstGeom prst="rect">
-              <a:avLst/>
-            </a:prstGeom>
-          </p:spPr>
-        </p:pic>
-      </p:grpSp>
     </p:spTree>
     <p:extLst>
       <p:ext uri="{BB962C8B-B14F-4D97-AF65-F5344CB8AC3E}">
